--- a/doc/Soutenance/iGo_Soutenance_Tony.pptx
+++ b/doc/Soutenance/iGo_Soutenance_Tony.pptx
@@ -2,8 +2,11 @@
 <file path=ppt/presentation.xml><?xml version="1.0" encoding="utf-8"?>
 <p:presentation xmlns:a="http://schemas.openxmlformats.org/drawingml/2006/main" xmlns:r="http://schemas.openxmlformats.org/officeDocument/2006/relationships" xmlns:p="http://schemas.openxmlformats.org/presentationml/2006/main" saveSubsetFonts="1">
   <p:sldMasterIdLst>
-    <p:sldMasterId id="2147483648" r:id="rId1"/>
+    <p:sldMasterId id="2147483720" r:id="rId1"/>
   </p:sldMasterIdLst>
+  <p:sldIdLst>
+    <p:sldId id="256" r:id="rId2"/>
+  </p:sldIdLst>
   <p:sldSz cx="9144000" cy="6858000" type="screen4x3"/>
   <p:notesSz cx="6858000" cy="9144000"/>
   <p:defaultTextStyle>
@@ -145,7 +148,7 @@
               <a:rPr lang="fr-FR" smtClean="0"/>
               <a:t>Cliquez pour modifier le style du titre</a:t>
             </a:r>
-            <a:endParaRPr lang="fr-BE"/>
+            <a:endParaRPr lang="fr-FR"/>
           </a:p>
         </p:txBody>
       </p:sp>
@@ -264,7 +267,7 @@
               <a:rPr lang="fr-FR" smtClean="0"/>
               <a:t>Cliquez pour modifier le style des sous-titres du masque</a:t>
             </a:r>
-            <a:endParaRPr lang="fr-BE"/>
+            <a:endParaRPr lang="fr-FR"/>
           </a:p>
         </p:txBody>
       </p:sp>
@@ -285,7 +288,8 @@
           <a:p>
             <a:fld id="{AA309A6D-C09C-4548-B29A-6CF363A7E532}" type="datetimeFigureOut">
               <a:rPr lang="fr-FR" smtClean="0"/>
-              <a:t>26/09/2006</a:t>
+              <a:pPr/>
+              <a:t>25/01/2009</a:t>
             </a:fld>
             <a:endParaRPr lang="fr-BE"/>
           </a:p>
@@ -327,6 +331,7 @@
           <a:p>
             <a:fld id="{CF4668DC-857F-487D-BFFA-8C0CA5037977}" type="slidenum">
               <a:rPr lang="fr-BE" smtClean="0"/>
+              <a:pPr/>
               <a:t>‹N°›</a:t>
             </a:fld>
             <a:endParaRPr lang="fr-BE"/>
@@ -377,7 +382,7 @@
               <a:rPr lang="fr-FR" smtClean="0"/>
               <a:t>Cliquez pour modifier le style du titre</a:t>
             </a:r>
-            <a:endParaRPr lang="fr-BE"/>
+            <a:endParaRPr lang="fr-FR"/>
           </a:p>
         </p:txBody>
       </p:sp>
@@ -429,7 +434,7 @@
               <a:rPr lang="fr-FR" smtClean="0"/>
               <a:t>Cinquième niveau</a:t>
             </a:r>
-            <a:endParaRPr lang="fr-BE"/>
+            <a:endParaRPr lang="fr-FR"/>
           </a:p>
         </p:txBody>
       </p:sp>
@@ -450,7 +455,8 @@
           <a:p>
             <a:fld id="{AA309A6D-C09C-4548-B29A-6CF363A7E532}" type="datetimeFigureOut">
               <a:rPr lang="fr-FR" smtClean="0"/>
-              <a:t>26/09/2006</a:t>
+              <a:pPr/>
+              <a:t>25/01/2009</a:t>
             </a:fld>
             <a:endParaRPr lang="fr-BE"/>
           </a:p>
@@ -492,6 +498,7 @@
           <a:p>
             <a:fld id="{CF4668DC-857F-487D-BFFA-8C0CA5037977}" type="slidenum">
               <a:rPr lang="fr-BE" smtClean="0"/>
+              <a:pPr/>
               <a:t>‹N°›</a:t>
             </a:fld>
             <a:endParaRPr lang="fr-BE"/>
@@ -547,7 +554,7 @@
               <a:rPr lang="fr-FR" smtClean="0"/>
               <a:t>Cliquez pour modifier le style du titre</a:t>
             </a:r>
-            <a:endParaRPr lang="fr-BE"/>
+            <a:endParaRPr lang="fr-FR"/>
           </a:p>
         </p:txBody>
       </p:sp>
@@ -604,7 +611,7 @@
               <a:rPr lang="fr-FR" smtClean="0"/>
               <a:t>Cinquième niveau</a:t>
             </a:r>
-            <a:endParaRPr lang="fr-BE"/>
+            <a:endParaRPr lang="fr-FR"/>
           </a:p>
         </p:txBody>
       </p:sp>
@@ -625,7 +632,8 @@
           <a:p>
             <a:fld id="{AA309A6D-C09C-4548-B29A-6CF363A7E532}" type="datetimeFigureOut">
               <a:rPr lang="fr-FR" smtClean="0"/>
-              <a:t>26/09/2006</a:t>
+              <a:pPr/>
+              <a:t>25/01/2009</a:t>
             </a:fld>
             <a:endParaRPr lang="fr-BE"/>
           </a:p>
@@ -667,6 +675,7 @@
           <a:p>
             <a:fld id="{CF4668DC-857F-487D-BFFA-8C0CA5037977}" type="slidenum">
               <a:rPr lang="fr-BE" smtClean="0"/>
+              <a:pPr/>
               <a:t>‹N°›</a:t>
             </a:fld>
             <a:endParaRPr lang="fr-BE"/>
@@ -717,7 +726,7 @@
               <a:rPr lang="fr-FR" smtClean="0"/>
               <a:t>Cliquez pour modifier le style du titre</a:t>
             </a:r>
-            <a:endParaRPr lang="fr-BE"/>
+            <a:endParaRPr lang="fr-FR"/>
           </a:p>
         </p:txBody>
       </p:sp>
@@ -769,7 +778,7 @@
               <a:rPr lang="fr-FR" smtClean="0"/>
               <a:t>Cinquième niveau</a:t>
             </a:r>
-            <a:endParaRPr lang="fr-BE"/>
+            <a:endParaRPr lang="fr-FR"/>
           </a:p>
         </p:txBody>
       </p:sp>
@@ -790,7 +799,8 @@
           <a:p>
             <a:fld id="{AA309A6D-C09C-4548-B29A-6CF363A7E532}" type="datetimeFigureOut">
               <a:rPr lang="fr-FR" smtClean="0"/>
-              <a:t>26/09/2006</a:t>
+              <a:pPr/>
+              <a:t>25/01/2009</a:t>
             </a:fld>
             <a:endParaRPr lang="fr-BE"/>
           </a:p>
@@ -832,6 +842,7 @@
           <a:p>
             <a:fld id="{CF4668DC-857F-487D-BFFA-8C0CA5037977}" type="slidenum">
               <a:rPr lang="fr-BE" smtClean="0"/>
+              <a:pPr/>
               <a:t>‹N°›</a:t>
             </a:fld>
             <a:endParaRPr lang="fr-BE"/>
@@ -891,7 +902,7 @@
               <a:rPr lang="fr-FR" smtClean="0"/>
               <a:t>Cliquez pour modifier le style du titre</a:t>
             </a:r>
-            <a:endParaRPr lang="fr-BE"/>
+            <a:endParaRPr lang="fr-FR"/>
           </a:p>
         </p:txBody>
       </p:sp>
@@ -1031,7 +1042,8 @@
           <a:p>
             <a:fld id="{AA309A6D-C09C-4548-B29A-6CF363A7E532}" type="datetimeFigureOut">
               <a:rPr lang="fr-FR" smtClean="0"/>
-              <a:t>26/09/2006</a:t>
+              <a:pPr/>
+              <a:t>25/01/2009</a:t>
             </a:fld>
             <a:endParaRPr lang="fr-BE"/>
           </a:p>
@@ -1073,6 +1085,7 @@
           <a:p>
             <a:fld id="{CF4668DC-857F-487D-BFFA-8C0CA5037977}" type="slidenum">
               <a:rPr lang="fr-BE" smtClean="0"/>
+              <a:pPr/>
               <a:t>‹N°›</a:t>
             </a:fld>
             <a:endParaRPr lang="fr-BE"/>
@@ -1123,7 +1136,7 @@
               <a:rPr lang="fr-FR" smtClean="0"/>
               <a:t>Cliquez pour modifier le style du titre</a:t>
             </a:r>
-            <a:endParaRPr lang="fr-BE"/>
+            <a:endParaRPr lang="fr-FR"/>
           </a:p>
         </p:txBody>
       </p:sp>
@@ -1208,7 +1221,7 @@
               <a:rPr lang="fr-FR" smtClean="0"/>
               <a:t>Cinquième niveau</a:t>
             </a:r>
-            <a:endParaRPr lang="fr-BE"/>
+            <a:endParaRPr lang="fr-FR"/>
           </a:p>
         </p:txBody>
       </p:sp>
@@ -1293,7 +1306,7 @@
               <a:rPr lang="fr-FR" smtClean="0"/>
               <a:t>Cinquième niveau</a:t>
             </a:r>
-            <a:endParaRPr lang="fr-BE"/>
+            <a:endParaRPr lang="fr-FR"/>
           </a:p>
         </p:txBody>
       </p:sp>
@@ -1314,7 +1327,8 @@
           <a:p>
             <a:fld id="{AA309A6D-C09C-4548-B29A-6CF363A7E532}" type="datetimeFigureOut">
               <a:rPr lang="fr-FR" smtClean="0"/>
-              <a:t>26/09/2006</a:t>
+              <a:pPr/>
+              <a:t>25/01/2009</a:t>
             </a:fld>
             <a:endParaRPr lang="fr-BE"/>
           </a:p>
@@ -1356,6 +1370,7 @@
           <a:p>
             <a:fld id="{CF4668DC-857F-487D-BFFA-8C0CA5037977}" type="slidenum">
               <a:rPr lang="fr-BE" smtClean="0"/>
+              <a:pPr/>
               <a:t>‹N°›</a:t>
             </a:fld>
             <a:endParaRPr lang="fr-BE"/>
@@ -1410,7 +1425,7 @@
               <a:rPr lang="fr-FR" smtClean="0"/>
               <a:t>Cliquez pour modifier le style du titre</a:t>
             </a:r>
-            <a:endParaRPr lang="fr-BE"/>
+            <a:endParaRPr lang="fr-FR"/>
           </a:p>
         </p:txBody>
       </p:sp>
@@ -1560,7 +1575,7 @@
               <a:rPr lang="fr-FR" smtClean="0"/>
               <a:t>Cinquième niveau</a:t>
             </a:r>
-            <a:endParaRPr lang="fr-BE"/>
+            <a:endParaRPr lang="fr-FR"/>
           </a:p>
         </p:txBody>
       </p:sp>
@@ -1710,7 +1725,7 @@
               <a:rPr lang="fr-FR" smtClean="0"/>
               <a:t>Cinquième niveau</a:t>
             </a:r>
-            <a:endParaRPr lang="fr-BE"/>
+            <a:endParaRPr lang="fr-FR"/>
           </a:p>
         </p:txBody>
       </p:sp>
@@ -1731,7 +1746,8 @@
           <a:p>
             <a:fld id="{AA309A6D-C09C-4548-B29A-6CF363A7E532}" type="datetimeFigureOut">
               <a:rPr lang="fr-FR" smtClean="0"/>
-              <a:t>26/09/2006</a:t>
+              <a:pPr/>
+              <a:t>25/01/2009</a:t>
             </a:fld>
             <a:endParaRPr lang="fr-BE"/>
           </a:p>
@@ -1773,6 +1789,7 @@
           <a:p>
             <a:fld id="{CF4668DC-857F-487D-BFFA-8C0CA5037977}" type="slidenum">
               <a:rPr lang="fr-BE" smtClean="0"/>
+              <a:pPr/>
               <a:t>‹N°›</a:t>
             </a:fld>
             <a:endParaRPr lang="fr-BE"/>
@@ -1823,7 +1840,7 @@
               <a:rPr lang="fr-FR" smtClean="0"/>
               <a:t>Cliquez pour modifier le style du titre</a:t>
             </a:r>
-            <a:endParaRPr lang="fr-BE"/>
+            <a:endParaRPr lang="fr-FR"/>
           </a:p>
         </p:txBody>
       </p:sp>
@@ -1844,7 +1861,8 @@
           <a:p>
             <a:fld id="{AA309A6D-C09C-4548-B29A-6CF363A7E532}" type="datetimeFigureOut">
               <a:rPr lang="fr-FR" smtClean="0"/>
-              <a:t>26/09/2006</a:t>
+              <a:pPr/>
+              <a:t>25/01/2009</a:t>
             </a:fld>
             <a:endParaRPr lang="fr-BE"/>
           </a:p>
@@ -1886,6 +1904,7 @@
           <a:p>
             <a:fld id="{CF4668DC-857F-487D-BFFA-8C0CA5037977}" type="slidenum">
               <a:rPr lang="fr-BE" smtClean="0"/>
+              <a:pPr/>
               <a:t>‹N°›</a:t>
             </a:fld>
             <a:endParaRPr lang="fr-BE"/>
@@ -1934,7 +1953,8 @@
           <a:p>
             <a:fld id="{AA309A6D-C09C-4548-B29A-6CF363A7E532}" type="datetimeFigureOut">
               <a:rPr lang="fr-FR" smtClean="0"/>
-              <a:t>26/09/2006</a:t>
+              <a:pPr/>
+              <a:t>25/01/2009</a:t>
             </a:fld>
             <a:endParaRPr lang="fr-BE"/>
           </a:p>
@@ -1976,6 +1996,7 @@
           <a:p>
             <a:fld id="{CF4668DC-857F-487D-BFFA-8C0CA5037977}" type="slidenum">
               <a:rPr lang="fr-BE" smtClean="0"/>
+              <a:pPr/>
               <a:t>‹N°›</a:t>
             </a:fld>
             <a:endParaRPr lang="fr-BE"/>
@@ -2035,7 +2056,7 @@
               <a:rPr lang="fr-FR" smtClean="0"/>
               <a:t>Cliquez pour modifier le style du titre</a:t>
             </a:r>
-            <a:endParaRPr lang="fr-BE"/>
+            <a:endParaRPr lang="fr-FR"/>
           </a:p>
         </p:txBody>
       </p:sp>
@@ -2120,7 +2141,7 @@
               <a:rPr lang="fr-FR" smtClean="0"/>
               <a:t>Cinquième niveau</a:t>
             </a:r>
-            <a:endParaRPr lang="fr-BE"/>
+            <a:endParaRPr lang="fr-FR"/>
           </a:p>
         </p:txBody>
       </p:sp>
@@ -2206,7 +2227,8 @@
           <a:p>
             <a:fld id="{AA309A6D-C09C-4548-B29A-6CF363A7E532}" type="datetimeFigureOut">
               <a:rPr lang="fr-FR" smtClean="0"/>
-              <a:t>26/09/2006</a:t>
+              <a:pPr/>
+              <a:t>25/01/2009</a:t>
             </a:fld>
             <a:endParaRPr lang="fr-BE"/>
           </a:p>
@@ -2248,6 +2270,7 @@
           <a:p>
             <a:fld id="{CF4668DC-857F-487D-BFFA-8C0CA5037977}" type="slidenum">
               <a:rPr lang="fr-BE" smtClean="0"/>
+              <a:pPr/>
               <a:t>‹N°›</a:t>
             </a:fld>
             <a:endParaRPr lang="fr-BE"/>
@@ -2307,7 +2330,7 @@
               <a:rPr lang="fr-FR" smtClean="0"/>
               <a:t>Cliquez pour modifier le style du titre</a:t>
             </a:r>
-            <a:endParaRPr lang="fr-BE"/>
+            <a:endParaRPr lang="fr-FR"/>
           </a:p>
         </p:txBody>
       </p:sp>
@@ -2368,7 +2391,7 @@
             </a:lvl9pPr>
           </a:lstStyle>
           <a:p>
-            <a:endParaRPr lang="fr-BE"/>
+            <a:endParaRPr lang="fr-FR"/>
           </a:p>
         </p:txBody>
       </p:sp>
@@ -2454,7 +2477,8 @@
           <a:p>
             <a:fld id="{AA309A6D-C09C-4548-B29A-6CF363A7E532}" type="datetimeFigureOut">
               <a:rPr lang="fr-FR" smtClean="0"/>
-              <a:t>26/09/2006</a:t>
+              <a:pPr/>
+              <a:t>25/01/2009</a:t>
             </a:fld>
             <a:endParaRPr lang="fr-BE"/>
           </a:p>
@@ -2496,6 +2520,7 @@
           <a:p>
             <a:fld id="{CF4668DC-857F-487D-BFFA-8C0CA5037977}" type="slidenum">
               <a:rPr lang="fr-BE" smtClean="0"/>
+              <a:pPr/>
               <a:t>‹N°›</a:t>
             </a:fld>
             <a:endParaRPr lang="fr-BE"/>
@@ -2561,7 +2586,7 @@
               <a:rPr lang="fr-FR" smtClean="0"/>
               <a:t>Cliquez pour modifier le style du titre</a:t>
             </a:r>
-            <a:endParaRPr lang="fr-BE"/>
+            <a:endParaRPr lang="fr-FR"/>
           </a:p>
         </p:txBody>
       </p:sp>
@@ -2623,7 +2648,7 @@
               <a:rPr lang="fr-FR" smtClean="0"/>
               <a:t>Cinquième niveau</a:t>
             </a:r>
-            <a:endParaRPr lang="fr-BE"/>
+            <a:endParaRPr lang="fr-FR"/>
           </a:p>
         </p:txBody>
       </p:sp>
@@ -2662,7 +2687,8 @@
           <a:p>
             <a:fld id="{AA309A6D-C09C-4548-B29A-6CF363A7E532}" type="datetimeFigureOut">
               <a:rPr lang="fr-FR" smtClean="0"/>
-              <a:t>26/09/2006</a:t>
+              <a:pPr/>
+              <a:t>25/01/2009</a:t>
             </a:fld>
             <a:endParaRPr lang="fr-BE"/>
           </a:p>
@@ -2740,6 +2766,7 @@
           <a:p>
             <a:fld id="{CF4668DC-857F-487D-BFFA-8C0CA5037977}" type="slidenum">
               <a:rPr lang="fr-BE" smtClean="0"/>
+              <a:pPr/>
               <a:t>‹N°›</a:t>
             </a:fld>
             <a:endParaRPr lang="fr-BE"/>
@@ -2750,17 +2777,17 @@
   </p:cSld>
   <p:clrMap bg1="lt1" tx1="dk1" bg2="lt2" tx2="dk2" accent1="accent1" accent2="accent2" accent3="accent3" accent4="accent4" accent5="accent5" accent6="accent6" hlink="hlink" folHlink="folHlink"/>
   <p:sldLayoutIdLst>
-    <p:sldLayoutId id="2147483649" r:id="rId1"/>
-    <p:sldLayoutId id="2147483650" r:id="rId2"/>
-    <p:sldLayoutId id="2147483651" r:id="rId3"/>
-    <p:sldLayoutId id="2147483652" r:id="rId4"/>
-    <p:sldLayoutId id="2147483653" r:id="rId5"/>
-    <p:sldLayoutId id="2147483654" r:id="rId6"/>
-    <p:sldLayoutId id="2147483655" r:id="rId7"/>
-    <p:sldLayoutId id="2147483656" r:id="rId8"/>
-    <p:sldLayoutId id="2147483657" r:id="rId9"/>
-    <p:sldLayoutId id="2147483658" r:id="rId10"/>
-    <p:sldLayoutId id="2147483659" r:id="rId11"/>
+    <p:sldLayoutId id="2147483721" r:id="rId1"/>
+    <p:sldLayoutId id="2147483722" r:id="rId2"/>
+    <p:sldLayoutId id="2147483723" r:id="rId3"/>
+    <p:sldLayoutId id="2147483724" r:id="rId4"/>
+    <p:sldLayoutId id="2147483725" r:id="rId5"/>
+    <p:sldLayoutId id="2147483726" r:id="rId6"/>
+    <p:sldLayoutId id="2147483727" r:id="rId7"/>
+    <p:sldLayoutId id="2147483728" r:id="rId8"/>
+    <p:sldLayoutId id="2147483729" r:id="rId9"/>
+    <p:sldLayoutId id="2147483730" r:id="rId10"/>
+    <p:sldLayoutId id="2147483731" r:id="rId11"/>
   </p:sldLayoutIdLst>
   <p:txStyles>
     <p:titleStyle>
@@ -3015,10 +3042,2080 @@
 </p:sldMaster>
 </file>
 
+<file path=ppt/slides/slide1.xml><?xml version="1.0" encoding="utf-8"?>
+<p:sld xmlns:a="http://schemas.openxmlformats.org/drawingml/2006/main" xmlns:r="http://schemas.openxmlformats.org/officeDocument/2006/relationships" xmlns:p="http://schemas.openxmlformats.org/presentationml/2006/main">
+  <p:cSld>
+    <p:spTree>
+      <p:nvGrpSpPr>
+        <p:cNvPr id="1" name=""/>
+        <p:cNvGrpSpPr/>
+        <p:nvPr/>
+      </p:nvGrpSpPr>
+      <p:grpSpPr>
+        <a:xfrm>
+          <a:off x="0" y="0"/>
+          <a:ext cx="0" cy="0"/>
+          <a:chOff x="0" y="0"/>
+          <a:chExt cx="0" cy="0"/>
+        </a:xfrm>
+      </p:grpSpPr>
+      <p:cxnSp>
+        <p:nvCxnSpPr>
+          <p:cNvPr id="146" name="Connecteur en angle 136"/>
+          <p:cNvCxnSpPr>
+            <a:stCxn id="68" idx="2"/>
+            <a:endCxn id="115" idx="3"/>
+          </p:cNvCxnSpPr>
+          <p:nvPr/>
+        </p:nvCxnSpPr>
+        <p:spPr>
+          <a:xfrm rot="5400000">
+            <a:off x="5804306" y="3339702"/>
+            <a:ext cx="392909" cy="571504"/>
+          </a:xfrm>
+          <a:prstGeom prst="bentConnector2">
+            <a:avLst/>
+          </a:prstGeom>
+          <a:ln>
+            <a:tailEnd type="arrow"/>
+          </a:ln>
+        </p:spPr>
+        <p:style>
+          <a:lnRef idx="1">
+            <a:schemeClr val="dk1"/>
+          </a:lnRef>
+          <a:fillRef idx="0">
+            <a:schemeClr val="dk1"/>
+          </a:fillRef>
+          <a:effectRef idx="0">
+            <a:schemeClr val="dk1"/>
+          </a:effectRef>
+          <a:fontRef idx="minor">
+            <a:schemeClr val="tx1"/>
+          </a:fontRef>
+        </p:style>
+      </p:cxnSp>
+      <p:sp>
+        <p:nvSpPr>
+          <p:cNvPr id="4" name="Rectangle à coins arrondis 3"/>
+          <p:cNvSpPr/>
+          <p:nvPr/>
+        </p:nvSpPr>
+        <p:spPr>
+          <a:xfrm>
+            <a:off x="3107242" y="857232"/>
+            <a:ext cx="3214710" cy="428628"/>
+          </a:xfrm>
+          <a:prstGeom prst="roundRect">
+            <a:avLst/>
+          </a:prstGeom>
+        </p:spPr>
+        <p:style>
+          <a:lnRef idx="1">
+            <a:schemeClr val="dk1"/>
+          </a:lnRef>
+          <a:fillRef idx="2">
+            <a:schemeClr val="dk1"/>
+          </a:fillRef>
+          <a:effectRef idx="1">
+            <a:schemeClr val="dk1"/>
+          </a:effectRef>
+          <a:fontRef idx="minor">
+            <a:schemeClr val="dk1"/>
+          </a:fontRef>
+        </p:style>
+        <p:txBody>
+          <a:bodyPr rtlCol="0" anchor="ctr"/>
+          <a:lstStyle/>
+          <a:p>
+            <a:pPr algn="ctr"/>
+            <a:r>
+              <a:rPr lang="fr-FR" dirty="0" smtClean="0"/>
+              <a:t>Data Import</a:t>
+            </a:r>
+            <a:endParaRPr lang="fr-FR" dirty="0"/>
+          </a:p>
+        </p:txBody>
+      </p:sp>
+      <p:sp>
+        <p:nvSpPr>
+          <p:cNvPr id="5" name="Rectangle à coins arrondis 4"/>
+          <p:cNvSpPr/>
+          <p:nvPr/>
+        </p:nvSpPr>
+        <p:spPr>
+          <a:xfrm>
+            <a:off x="2143108" y="1643050"/>
+            <a:ext cx="5143536" cy="357190"/>
+          </a:xfrm>
+          <a:prstGeom prst="roundRect">
+            <a:avLst/>
+          </a:prstGeom>
+        </p:spPr>
+        <p:style>
+          <a:lnRef idx="1">
+            <a:schemeClr val="dk1"/>
+          </a:lnRef>
+          <a:fillRef idx="2">
+            <a:schemeClr val="dk1"/>
+          </a:fillRef>
+          <a:effectRef idx="1">
+            <a:schemeClr val="dk1"/>
+          </a:effectRef>
+          <a:fontRef idx="minor">
+            <a:schemeClr val="dk1"/>
+          </a:fontRef>
+        </p:style>
+        <p:txBody>
+          <a:bodyPr rtlCol="0" anchor="ctr"/>
+          <a:lstStyle/>
+          <a:p>
+            <a:pPr algn="ctr"/>
+            <a:r>
+              <a:rPr lang="fr-FR" dirty="0" smtClean="0"/>
+              <a:t>Validation of informations</a:t>
+            </a:r>
+            <a:endParaRPr lang="fr-FR" dirty="0"/>
+          </a:p>
+        </p:txBody>
+      </p:sp>
+      <p:sp>
+        <p:nvSpPr>
+          <p:cNvPr id="7" name="Rectangle à coins arrondis 6"/>
+          <p:cNvSpPr/>
+          <p:nvPr/>
+        </p:nvSpPr>
+        <p:spPr>
+          <a:xfrm>
+            <a:off x="1428728" y="2786058"/>
+            <a:ext cx="2214578" cy="357190"/>
+          </a:xfrm>
+          <a:prstGeom prst="roundRect">
+            <a:avLst/>
+          </a:prstGeom>
+        </p:spPr>
+        <p:style>
+          <a:lnRef idx="1">
+            <a:schemeClr val="dk1"/>
+          </a:lnRef>
+          <a:fillRef idx="2">
+            <a:schemeClr val="dk1"/>
+          </a:fillRef>
+          <a:effectRef idx="1">
+            <a:schemeClr val="dk1"/>
+          </a:effectRef>
+          <a:fontRef idx="minor">
+            <a:schemeClr val="dk1"/>
+          </a:fontRef>
+        </p:style>
+        <p:txBody>
+          <a:bodyPr rtlCol="0" anchor="ctr"/>
+          <a:lstStyle/>
+          <a:p>
+            <a:pPr algn="ctr"/>
+            <a:r>
+              <a:rPr lang="fr-FR" dirty="0" smtClean="0"/>
+              <a:t>Graph Construction</a:t>
+            </a:r>
+            <a:endParaRPr lang="fr-FR" dirty="0"/>
+          </a:p>
+        </p:txBody>
+      </p:sp>
+      <p:cxnSp>
+        <p:nvCxnSpPr>
+          <p:cNvPr id="9" name="Connecteur en angle 8"/>
+          <p:cNvCxnSpPr>
+            <a:stCxn id="4" idx="2"/>
+            <a:endCxn id="5" idx="0"/>
+          </p:cNvCxnSpPr>
+          <p:nvPr/>
+        </p:nvCxnSpPr>
+        <p:spPr>
+          <a:xfrm rot="16200000" flipH="1">
+            <a:off x="4536141" y="1464315"/>
+            <a:ext cx="357190" cy="279"/>
+          </a:xfrm>
+          <a:prstGeom prst="bentConnector3">
+            <a:avLst>
+              <a:gd name="adj1" fmla="val 50000"/>
+            </a:avLst>
+          </a:prstGeom>
+          <a:ln>
+            <a:tailEnd type="arrow"/>
+          </a:ln>
+        </p:spPr>
+        <p:style>
+          <a:lnRef idx="2">
+            <a:schemeClr val="accent3"/>
+          </a:lnRef>
+          <a:fillRef idx="0">
+            <a:schemeClr val="accent3"/>
+          </a:fillRef>
+          <a:effectRef idx="1">
+            <a:schemeClr val="accent3"/>
+          </a:effectRef>
+          <a:fontRef idx="minor">
+            <a:schemeClr val="tx1"/>
+          </a:fontRef>
+        </p:style>
+      </p:cxnSp>
+      <p:sp>
+        <p:nvSpPr>
+          <p:cNvPr id="25" name="Rectangle à coins arrondis 24"/>
+          <p:cNvSpPr/>
+          <p:nvPr/>
+        </p:nvSpPr>
+        <p:spPr>
+          <a:xfrm>
+            <a:off x="4000496" y="2214554"/>
+            <a:ext cx="1428760" cy="214314"/>
+          </a:xfrm>
+          <a:prstGeom prst="roundRect">
+            <a:avLst/>
+          </a:prstGeom>
+        </p:spPr>
+        <p:style>
+          <a:lnRef idx="1">
+            <a:schemeClr val="accent4"/>
+          </a:lnRef>
+          <a:fillRef idx="2">
+            <a:schemeClr val="accent4"/>
+          </a:fillRef>
+          <a:effectRef idx="1">
+            <a:schemeClr val="accent4"/>
+          </a:effectRef>
+          <a:fontRef idx="minor">
+            <a:schemeClr val="dk1"/>
+          </a:fontRef>
+        </p:style>
+        <p:txBody>
+          <a:bodyPr rtlCol="0" anchor="ctr"/>
+          <a:lstStyle/>
+          <a:p>
+            <a:pPr algn="ctr"/>
+            <a:r>
+              <a:rPr lang="fr-FR" sz="1200" dirty="0" smtClean="0"/>
+              <a:t>Start &amp; Finish</a:t>
+            </a:r>
+            <a:endParaRPr lang="fr-FR" sz="1200" dirty="0"/>
+          </a:p>
+        </p:txBody>
+      </p:sp>
+      <p:sp>
+        <p:nvSpPr>
+          <p:cNvPr id="27" name="Rectangle à coins arrondis 26"/>
+          <p:cNvSpPr/>
+          <p:nvPr/>
+        </p:nvSpPr>
+        <p:spPr>
+          <a:xfrm>
+            <a:off x="5581656" y="2214554"/>
+            <a:ext cx="776294" cy="214314"/>
+          </a:xfrm>
+          <a:prstGeom prst="roundRect">
+            <a:avLst/>
+          </a:prstGeom>
+        </p:spPr>
+        <p:style>
+          <a:lnRef idx="1">
+            <a:schemeClr val="accent5"/>
+          </a:lnRef>
+          <a:fillRef idx="2">
+            <a:schemeClr val="accent5"/>
+          </a:fillRef>
+          <a:effectRef idx="1">
+            <a:schemeClr val="accent5"/>
+          </a:effectRef>
+          <a:fontRef idx="minor">
+            <a:schemeClr val="dk1"/>
+          </a:fontRef>
+        </p:style>
+        <p:txBody>
+          <a:bodyPr rtlCol="0" anchor="ctr"/>
+          <a:lstStyle/>
+          <a:p>
+            <a:pPr algn="ctr"/>
+            <a:r>
+              <a:rPr lang="fr-FR" sz="1200" dirty="0" smtClean="0"/>
+              <a:t>Uniques</a:t>
+            </a:r>
+            <a:endParaRPr lang="fr-FR" sz="1200" dirty="0"/>
+          </a:p>
+        </p:txBody>
+      </p:sp>
+      <p:sp>
+        <p:nvSpPr>
+          <p:cNvPr id="28" name="Rectangle à coins arrondis 27"/>
+          <p:cNvSpPr/>
+          <p:nvPr/>
+        </p:nvSpPr>
+        <p:spPr>
+          <a:xfrm>
+            <a:off x="2150196" y="2214554"/>
+            <a:ext cx="776294" cy="214314"/>
+          </a:xfrm>
+          <a:prstGeom prst="roundRect">
+            <a:avLst/>
+          </a:prstGeom>
+        </p:spPr>
+        <p:style>
+          <a:lnRef idx="1">
+            <a:schemeClr val="accent5"/>
+          </a:lnRef>
+          <a:fillRef idx="2">
+            <a:schemeClr val="accent5"/>
+          </a:fillRef>
+          <a:effectRef idx="1">
+            <a:schemeClr val="accent5"/>
+          </a:effectRef>
+          <a:fontRef idx="minor">
+            <a:schemeClr val="dk1"/>
+          </a:fontRef>
+        </p:style>
+        <p:txBody>
+          <a:bodyPr rtlCol="0" anchor="ctr"/>
+          <a:lstStyle/>
+          <a:p>
+            <a:pPr algn="ctr"/>
+            <a:r>
+              <a:rPr lang="fr-FR" sz="1200" dirty="0" err="1" smtClean="0"/>
+              <a:t>Always</a:t>
+            </a:r>
+            <a:endParaRPr lang="fr-FR" sz="1200" dirty="0"/>
+          </a:p>
+        </p:txBody>
+      </p:sp>
+      <p:sp>
+        <p:nvSpPr>
+          <p:cNvPr id="29" name="Rectangle à coins arrondis 28"/>
+          <p:cNvSpPr/>
+          <p:nvPr/>
+        </p:nvSpPr>
+        <p:spPr>
+          <a:xfrm>
+            <a:off x="3000364" y="2214554"/>
+            <a:ext cx="776294" cy="214314"/>
+          </a:xfrm>
+          <a:prstGeom prst="roundRect">
+            <a:avLst/>
+          </a:prstGeom>
+        </p:spPr>
+        <p:style>
+          <a:lnRef idx="1">
+            <a:schemeClr val="accent4"/>
+          </a:lnRef>
+          <a:fillRef idx="2">
+            <a:schemeClr val="accent4"/>
+          </a:fillRef>
+          <a:effectRef idx="1">
+            <a:schemeClr val="accent4"/>
+          </a:effectRef>
+          <a:fontRef idx="minor">
+            <a:schemeClr val="dk1"/>
+          </a:fontRef>
+        </p:style>
+        <p:txBody>
+          <a:bodyPr rtlCol="0" anchor="ctr"/>
+          <a:lstStyle/>
+          <a:p>
+            <a:pPr algn="ctr"/>
+            <a:r>
+              <a:rPr lang="fr-FR" sz="1200" dirty="0" err="1" smtClean="0"/>
+              <a:t>Avoid</a:t>
+            </a:r>
+            <a:endParaRPr lang="fr-FR" sz="1200" dirty="0"/>
+          </a:p>
+        </p:txBody>
+      </p:sp>
+      <p:sp>
+        <p:nvSpPr>
+          <p:cNvPr id="30" name="Rectangle à coins arrondis 29"/>
+          <p:cNvSpPr/>
+          <p:nvPr/>
+        </p:nvSpPr>
+        <p:spPr>
+          <a:xfrm>
+            <a:off x="6500826" y="2214554"/>
+            <a:ext cx="714380" cy="214314"/>
+          </a:xfrm>
+          <a:prstGeom prst="roundRect">
+            <a:avLst/>
+          </a:prstGeom>
+        </p:spPr>
+        <p:style>
+          <a:lnRef idx="1">
+            <a:schemeClr val="accent4"/>
+          </a:lnRef>
+          <a:fillRef idx="2">
+            <a:schemeClr val="accent4"/>
+          </a:fillRef>
+          <a:effectRef idx="1">
+            <a:schemeClr val="accent4"/>
+          </a:effectRef>
+          <a:fontRef idx="minor">
+            <a:schemeClr val="dk1"/>
+          </a:fontRef>
+        </p:style>
+        <p:txBody>
+          <a:bodyPr rtlCol="0" anchor="ctr"/>
+          <a:lstStyle/>
+          <a:p>
+            <a:pPr algn="ctr"/>
+            <a:r>
+              <a:rPr lang="fr-FR" sz="1200" dirty="0" err="1" smtClean="0"/>
+              <a:t>Steps</a:t>
+            </a:r>
+            <a:endParaRPr lang="fr-FR" sz="1200" dirty="0"/>
+          </a:p>
+        </p:txBody>
+      </p:sp>
+      <p:sp>
+        <p:nvSpPr>
+          <p:cNvPr id="68" name="Rectangle à coins arrondis 67"/>
+          <p:cNvSpPr/>
+          <p:nvPr/>
+        </p:nvSpPr>
+        <p:spPr>
+          <a:xfrm>
+            <a:off x="5857884" y="3214686"/>
+            <a:ext cx="857256" cy="214314"/>
+          </a:xfrm>
+          <a:prstGeom prst="roundRect">
+            <a:avLst/>
+          </a:prstGeom>
+        </p:spPr>
+        <p:style>
+          <a:lnRef idx="1">
+            <a:schemeClr val="accent4"/>
+          </a:lnRef>
+          <a:fillRef idx="2">
+            <a:schemeClr val="accent4"/>
+          </a:fillRef>
+          <a:effectRef idx="1">
+            <a:schemeClr val="accent4"/>
+          </a:effectRef>
+          <a:fontRef idx="minor">
+            <a:schemeClr val="dk1"/>
+          </a:fontRef>
+        </p:style>
+        <p:txBody>
+          <a:bodyPr rtlCol="0" anchor="ctr"/>
+          <a:lstStyle/>
+          <a:p>
+            <a:pPr algn="ctr"/>
+            <a:r>
+              <a:rPr lang="fr-FR" sz="1200" dirty="0" err="1" smtClean="0"/>
+              <a:t>AllSteps</a:t>
+            </a:r>
+            <a:endParaRPr lang="fr-FR" sz="1200" dirty="0"/>
+          </a:p>
+        </p:txBody>
+      </p:sp>
+      <p:sp>
+        <p:nvSpPr>
+          <p:cNvPr id="76" name="Rectangle à coins arrondis 75"/>
+          <p:cNvSpPr/>
+          <p:nvPr/>
+        </p:nvSpPr>
+        <p:spPr>
+          <a:xfrm>
+            <a:off x="3857620" y="4214818"/>
+            <a:ext cx="2857520" cy="357190"/>
+          </a:xfrm>
+          <a:prstGeom prst="roundRect">
+            <a:avLst/>
+          </a:prstGeom>
+        </p:spPr>
+        <p:style>
+          <a:lnRef idx="1">
+            <a:schemeClr val="dk1"/>
+          </a:lnRef>
+          <a:fillRef idx="2">
+            <a:schemeClr val="dk1"/>
+          </a:fillRef>
+          <a:effectRef idx="1">
+            <a:schemeClr val="dk1"/>
+          </a:effectRef>
+          <a:fontRef idx="minor">
+            <a:schemeClr val="dk1"/>
+          </a:fontRef>
+        </p:style>
+        <p:txBody>
+          <a:bodyPr rtlCol="0" anchor="ctr"/>
+          <a:lstStyle/>
+          <a:p>
+            <a:pPr algn="ctr"/>
+            <a:r>
+              <a:rPr lang="fr-FR" dirty="0" err="1" smtClean="0"/>
+              <a:t>Dijkstra</a:t>
+            </a:r>
+            <a:r>
+              <a:rPr lang="fr-FR" dirty="0" smtClean="0"/>
+              <a:t>  </a:t>
+            </a:r>
+            <a:r>
+              <a:rPr lang="fr-FR" dirty="0" err="1" smtClean="0"/>
+              <a:t>between</a:t>
+            </a:r>
+            <a:r>
+              <a:rPr lang="fr-FR" dirty="0" smtClean="0"/>
+              <a:t> all </a:t>
+            </a:r>
+            <a:r>
+              <a:rPr lang="fr-FR" dirty="0" err="1" smtClean="0"/>
+              <a:t>steps</a:t>
+            </a:r>
+            <a:endParaRPr lang="fr-FR" dirty="0"/>
+          </a:p>
+        </p:txBody>
+      </p:sp>
+      <p:cxnSp>
+        <p:nvCxnSpPr>
+          <p:cNvPr id="111" name="Connecteur en angle 110"/>
+          <p:cNvCxnSpPr>
+            <a:stCxn id="76" idx="2"/>
+            <a:endCxn id="115" idx="3"/>
+          </p:cNvCxnSpPr>
+          <p:nvPr/>
+        </p:nvCxnSpPr>
+        <p:spPr>
+          <a:xfrm rot="5400000" flipH="1" flipV="1">
+            <a:off x="5125644" y="3982645"/>
+            <a:ext cx="750099" cy="428628"/>
+          </a:xfrm>
+          <a:prstGeom prst="bentConnector4">
+            <a:avLst>
+              <a:gd name="adj1" fmla="val -30476"/>
+              <a:gd name="adj2" fmla="val 386666"/>
+            </a:avLst>
+          </a:prstGeom>
+          <a:ln>
+            <a:tailEnd type="arrow"/>
+          </a:ln>
+        </p:spPr>
+        <p:style>
+          <a:lnRef idx="2">
+            <a:schemeClr val="accent6"/>
+          </a:lnRef>
+          <a:fillRef idx="0">
+            <a:schemeClr val="accent6"/>
+          </a:fillRef>
+          <a:effectRef idx="1">
+            <a:schemeClr val="accent6"/>
+          </a:effectRef>
+          <a:fontRef idx="minor">
+            <a:schemeClr val="tx1"/>
+          </a:fontRef>
+        </p:style>
+      </p:cxnSp>
+      <p:sp>
+        <p:nvSpPr>
+          <p:cNvPr id="115" name="Rectangle à coins arrondis 114"/>
+          <p:cNvSpPr/>
+          <p:nvPr/>
+        </p:nvSpPr>
+        <p:spPr>
+          <a:xfrm>
+            <a:off x="4857752" y="3714752"/>
+            <a:ext cx="857256" cy="214314"/>
+          </a:xfrm>
+          <a:prstGeom prst="roundRect">
+            <a:avLst/>
+          </a:prstGeom>
+        </p:spPr>
+        <p:style>
+          <a:lnRef idx="1">
+            <a:schemeClr val="accent4"/>
+          </a:lnRef>
+          <a:fillRef idx="2">
+            <a:schemeClr val="accent4"/>
+          </a:fillRef>
+          <a:effectRef idx="1">
+            <a:schemeClr val="accent4"/>
+          </a:effectRef>
+          <a:fontRef idx="minor">
+            <a:schemeClr val="dk1"/>
+          </a:fontRef>
+        </p:style>
+        <p:txBody>
+          <a:bodyPr rtlCol="0" anchor="ctr"/>
+          <a:lstStyle/>
+          <a:p>
+            <a:pPr algn="ctr"/>
+            <a:r>
+              <a:rPr lang="fr-FR" sz="1200" dirty="0" err="1" smtClean="0"/>
+              <a:t>AllSteps</a:t>
+            </a:r>
+            <a:r>
+              <a:rPr lang="fr-FR" sz="1200" dirty="0" smtClean="0"/>
+              <a:t>[i]</a:t>
+            </a:r>
+            <a:endParaRPr lang="fr-FR" sz="1200" dirty="0"/>
+          </a:p>
+        </p:txBody>
+      </p:sp>
+      <p:sp>
+        <p:nvSpPr>
+          <p:cNvPr id="118" name="ZoneTexte 117"/>
+          <p:cNvSpPr txBox="1"/>
+          <p:nvPr/>
+        </p:nvSpPr>
+        <p:spPr>
+          <a:xfrm>
+            <a:off x="6143636" y="3500438"/>
+            <a:ext cx="1714512" cy="246221"/>
+          </a:xfrm>
+          <a:prstGeom prst="rect">
+            <a:avLst/>
+          </a:prstGeom>
+          <a:noFill/>
+        </p:spPr>
+        <p:txBody>
+          <a:bodyPr wrap="square" rtlCol="0">
+            <a:spAutoFit/>
+          </a:bodyPr>
+          <a:lstStyle/>
+          <a:p>
+            <a:pPr algn="ctr"/>
+            <a:r>
+              <a:rPr lang="fr-FR" sz="1000" dirty="0" smtClean="0"/>
+              <a:t>All possible permutations</a:t>
+            </a:r>
+            <a:endParaRPr lang="fr-FR" sz="1000" dirty="0"/>
+          </a:p>
+        </p:txBody>
+      </p:sp>
+      <p:cxnSp>
+        <p:nvCxnSpPr>
+          <p:cNvPr id="122" name="Connecteur en angle 121"/>
+          <p:cNvCxnSpPr>
+            <a:stCxn id="28" idx="2"/>
+            <a:endCxn id="7" idx="0"/>
+          </p:cNvCxnSpPr>
+          <p:nvPr/>
+        </p:nvCxnSpPr>
+        <p:spPr>
+          <a:xfrm rot="5400000">
+            <a:off x="2358585" y="2606300"/>
+            <a:ext cx="357190" cy="2326"/>
+          </a:xfrm>
+          <a:prstGeom prst="bentConnector3">
+            <a:avLst>
+              <a:gd name="adj1" fmla="val 50000"/>
+            </a:avLst>
+          </a:prstGeom>
+          <a:ln>
+            <a:tailEnd type="arrow"/>
+          </a:ln>
+        </p:spPr>
+        <p:style>
+          <a:lnRef idx="1">
+            <a:schemeClr val="dk1"/>
+          </a:lnRef>
+          <a:fillRef idx="0">
+            <a:schemeClr val="dk1"/>
+          </a:fillRef>
+          <a:effectRef idx="0">
+            <a:schemeClr val="dk1"/>
+          </a:effectRef>
+          <a:fontRef idx="minor">
+            <a:schemeClr val="tx1"/>
+          </a:fontRef>
+        </p:style>
+      </p:cxnSp>
+      <p:cxnSp>
+        <p:nvCxnSpPr>
+          <p:cNvPr id="123" name="Connecteur en angle 122"/>
+          <p:cNvCxnSpPr>
+            <a:stCxn id="29" idx="2"/>
+            <a:endCxn id="7" idx="0"/>
+          </p:cNvCxnSpPr>
+          <p:nvPr/>
+        </p:nvCxnSpPr>
+        <p:spPr>
+          <a:xfrm rot="5400000">
+            <a:off x="2783669" y="2181216"/>
+            <a:ext cx="357190" cy="852494"/>
+          </a:xfrm>
+          <a:prstGeom prst="bentConnector3">
+            <a:avLst>
+              <a:gd name="adj1" fmla="val 50000"/>
+            </a:avLst>
+          </a:prstGeom>
+          <a:ln>
+            <a:tailEnd type="arrow"/>
+          </a:ln>
+        </p:spPr>
+        <p:style>
+          <a:lnRef idx="1">
+            <a:schemeClr val="dk1"/>
+          </a:lnRef>
+          <a:fillRef idx="0">
+            <a:schemeClr val="dk1"/>
+          </a:fillRef>
+          <a:effectRef idx="0">
+            <a:schemeClr val="dk1"/>
+          </a:effectRef>
+          <a:fontRef idx="minor">
+            <a:schemeClr val="tx1"/>
+          </a:fontRef>
+        </p:style>
+      </p:cxnSp>
+      <p:cxnSp>
+        <p:nvCxnSpPr>
+          <p:cNvPr id="129" name="Connecteur en angle 128"/>
+          <p:cNvCxnSpPr>
+            <a:stCxn id="25" idx="2"/>
+            <a:endCxn id="7" idx="0"/>
+          </p:cNvCxnSpPr>
+          <p:nvPr/>
+        </p:nvCxnSpPr>
+        <p:spPr>
+          <a:xfrm rot="5400000">
+            <a:off x="3446852" y="1518034"/>
+            <a:ext cx="357190" cy="2178859"/>
+          </a:xfrm>
+          <a:prstGeom prst="bentConnector3">
+            <a:avLst>
+              <a:gd name="adj1" fmla="val 50000"/>
+            </a:avLst>
+          </a:prstGeom>
+          <a:ln>
+            <a:tailEnd type="arrow"/>
+          </a:ln>
+        </p:spPr>
+        <p:style>
+          <a:lnRef idx="1">
+            <a:schemeClr val="dk1"/>
+          </a:lnRef>
+          <a:fillRef idx="0">
+            <a:schemeClr val="dk1"/>
+          </a:fillRef>
+          <a:effectRef idx="0">
+            <a:schemeClr val="dk1"/>
+          </a:effectRef>
+          <a:fontRef idx="minor">
+            <a:schemeClr val="tx1"/>
+          </a:fontRef>
+        </p:style>
+      </p:cxnSp>
+      <p:cxnSp>
+        <p:nvCxnSpPr>
+          <p:cNvPr id="137" name="Connecteur en angle 136"/>
+          <p:cNvCxnSpPr>
+            <a:stCxn id="25" idx="2"/>
+            <a:endCxn id="115" idx="1"/>
+          </p:cNvCxnSpPr>
+          <p:nvPr/>
+        </p:nvCxnSpPr>
+        <p:spPr>
+          <a:xfrm rot="16200000" flipH="1">
+            <a:off x="4089794" y="3053950"/>
+            <a:ext cx="1393041" cy="142876"/>
+          </a:xfrm>
+          <a:prstGeom prst="bentConnector2">
+            <a:avLst/>
+          </a:prstGeom>
+          <a:ln>
+            <a:tailEnd type="arrow"/>
+          </a:ln>
+        </p:spPr>
+        <p:style>
+          <a:lnRef idx="1">
+            <a:schemeClr val="dk1"/>
+          </a:lnRef>
+          <a:fillRef idx="0">
+            <a:schemeClr val="dk1"/>
+          </a:fillRef>
+          <a:effectRef idx="0">
+            <a:schemeClr val="dk1"/>
+          </a:effectRef>
+          <a:fontRef idx="minor">
+            <a:schemeClr val="tx1"/>
+          </a:fontRef>
+        </p:style>
+      </p:cxnSp>
+      <p:cxnSp>
+        <p:nvCxnSpPr>
+          <p:cNvPr id="140" name="Connecteur en angle 136"/>
+          <p:cNvCxnSpPr>
+            <a:stCxn id="27" idx="2"/>
+            <a:endCxn id="68" idx="0"/>
+          </p:cNvCxnSpPr>
+          <p:nvPr/>
+        </p:nvCxnSpPr>
+        <p:spPr>
+          <a:xfrm rot="16200000" flipH="1">
+            <a:off x="5735248" y="2663422"/>
+            <a:ext cx="785818" cy="316709"/>
+          </a:xfrm>
+          <a:prstGeom prst="bentConnector3">
+            <a:avLst>
+              <a:gd name="adj1" fmla="val 50000"/>
+            </a:avLst>
+          </a:prstGeom>
+          <a:ln>
+            <a:tailEnd type="arrow"/>
+          </a:ln>
+        </p:spPr>
+        <p:style>
+          <a:lnRef idx="1">
+            <a:schemeClr val="dk1"/>
+          </a:lnRef>
+          <a:fillRef idx="0">
+            <a:schemeClr val="dk1"/>
+          </a:fillRef>
+          <a:effectRef idx="0">
+            <a:schemeClr val="dk1"/>
+          </a:effectRef>
+          <a:fontRef idx="minor">
+            <a:schemeClr val="tx1"/>
+          </a:fontRef>
+        </p:style>
+      </p:cxnSp>
+      <p:cxnSp>
+        <p:nvCxnSpPr>
+          <p:cNvPr id="141" name="Connecteur en angle 136"/>
+          <p:cNvCxnSpPr>
+            <a:stCxn id="30" idx="2"/>
+            <a:endCxn id="68" idx="0"/>
+          </p:cNvCxnSpPr>
+          <p:nvPr/>
+        </p:nvCxnSpPr>
+        <p:spPr>
+          <a:xfrm rot="5400000">
+            <a:off x="6179355" y="2536025"/>
+            <a:ext cx="785818" cy="571504"/>
+          </a:xfrm>
+          <a:prstGeom prst="bentConnector3">
+            <a:avLst>
+              <a:gd name="adj1" fmla="val 50000"/>
+            </a:avLst>
+          </a:prstGeom>
+          <a:ln>
+            <a:tailEnd type="arrow"/>
+          </a:ln>
+        </p:spPr>
+        <p:style>
+          <a:lnRef idx="1">
+            <a:schemeClr val="dk1"/>
+          </a:lnRef>
+          <a:fillRef idx="0">
+            <a:schemeClr val="dk1"/>
+          </a:fillRef>
+          <a:effectRef idx="0">
+            <a:schemeClr val="dk1"/>
+          </a:effectRef>
+          <a:fontRef idx="minor">
+            <a:schemeClr val="tx1"/>
+          </a:fontRef>
+        </p:style>
+      </p:cxnSp>
+      <p:sp>
+        <p:nvSpPr>
+          <p:cNvPr id="161" name="Rectangle à coins arrondis 160"/>
+          <p:cNvSpPr/>
+          <p:nvPr/>
+        </p:nvSpPr>
+        <p:spPr>
+          <a:xfrm>
+            <a:off x="3857620" y="5214950"/>
+            <a:ext cx="2857520" cy="357190"/>
+          </a:xfrm>
+          <a:prstGeom prst="roundRect">
+            <a:avLst/>
+          </a:prstGeom>
+        </p:spPr>
+        <p:style>
+          <a:lnRef idx="1">
+            <a:schemeClr val="dk1"/>
+          </a:lnRef>
+          <a:fillRef idx="2">
+            <a:schemeClr val="dk1"/>
+          </a:fillRef>
+          <a:effectRef idx="1">
+            <a:schemeClr val="dk1"/>
+          </a:effectRef>
+          <a:fontRef idx="minor">
+            <a:schemeClr val="dk1"/>
+          </a:fontRef>
+        </p:style>
+        <p:txBody>
+          <a:bodyPr rtlCol="0" anchor="ctr"/>
+          <a:lstStyle/>
+          <a:p>
+            <a:pPr algn="ctr"/>
+            <a:r>
+              <a:rPr lang="fr-FR" dirty="0" smtClean="0"/>
+              <a:t>Best </a:t>
+            </a:r>
+            <a:r>
+              <a:rPr lang="fr-FR" dirty="0" err="1" smtClean="0"/>
+              <a:t>travel</a:t>
+            </a:r>
+            <a:r>
+              <a:rPr lang="fr-FR" dirty="0" smtClean="0"/>
+              <a:t> construction</a:t>
+            </a:r>
+            <a:endParaRPr lang="fr-FR" dirty="0"/>
+          </a:p>
+        </p:txBody>
+      </p:sp>
+      <p:cxnSp>
+        <p:nvCxnSpPr>
+          <p:cNvPr id="162" name="Connecteur en angle 136"/>
+          <p:cNvCxnSpPr>
+            <a:stCxn id="76" idx="2"/>
+            <a:endCxn id="161" idx="0"/>
+          </p:cNvCxnSpPr>
+          <p:nvPr/>
+        </p:nvCxnSpPr>
+        <p:spPr>
+          <a:xfrm rot="5400000">
+            <a:off x="4964909" y="4893479"/>
+            <a:ext cx="642942" cy="1588"/>
+          </a:xfrm>
+          <a:prstGeom prst="bentConnector3">
+            <a:avLst>
+              <a:gd name="adj1" fmla="val 50000"/>
+            </a:avLst>
+          </a:prstGeom>
+          <a:ln>
+            <a:tailEnd type="arrow"/>
+          </a:ln>
+        </p:spPr>
+        <p:style>
+          <a:lnRef idx="2">
+            <a:schemeClr val="accent3"/>
+          </a:lnRef>
+          <a:fillRef idx="0">
+            <a:schemeClr val="accent3"/>
+          </a:fillRef>
+          <a:effectRef idx="1">
+            <a:schemeClr val="accent3"/>
+          </a:effectRef>
+          <a:fontRef idx="minor">
+            <a:schemeClr val="tx1"/>
+          </a:fontRef>
+        </p:style>
+      </p:cxnSp>
+      <p:grpSp>
+        <p:nvGrpSpPr>
+          <p:cNvPr id="252" name="Groupe 251"/>
+          <p:cNvGrpSpPr/>
+          <p:nvPr/>
+        </p:nvGrpSpPr>
+        <p:grpSpPr>
+          <a:xfrm>
+            <a:off x="7143768" y="214290"/>
+            <a:ext cx="1785918" cy="1214446"/>
+            <a:chOff x="7215206" y="5286388"/>
+            <a:chExt cx="1785918" cy="1214446"/>
+          </a:xfrm>
+        </p:grpSpPr>
+        <p:sp>
+          <p:nvSpPr>
+            <p:cNvPr id="169" name="Rectangle à coins arrondis 168"/>
+            <p:cNvSpPr/>
+            <p:nvPr/>
+          </p:nvSpPr>
+          <p:spPr>
+            <a:xfrm>
+              <a:off x="7215206" y="5286388"/>
+              <a:ext cx="1785918" cy="1214446"/>
+            </a:xfrm>
+            <a:prstGeom prst="roundRect">
+              <a:avLst/>
+            </a:prstGeom>
+          </p:spPr>
+          <p:style>
+            <a:lnRef idx="2">
+              <a:schemeClr val="accent1">
+                <a:shade val="50000"/>
+              </a:schemeClr>
+            </a:lnRef>
+            <a:fillRef idx="1">
+              <a:schemeClr val="accent1"/>
+            </a:fillRef>
+            <a:effectRef idx="0">
+              <a:schemeClr val="accent1"/>
+            </a:effectRef>
+            <a:fontRef idx="minor">
+              <a:schemeClr val="lt1"/>
+            </a:fontRef>
+          </p:style>
+          <p:txBody>
+            <a:bodyPr rtlCol="0" anchor="ctr"/>
+            <a:lstStyle/>
+            <a:p>
+              <a:pPr algn="ctr"/>
+              <a:endParaRPr lang="fr-FR"/>
+            </a:p>
+          </p:txBody>
+        </p:sp>
+        <p:sp>
+          <p:nvSpPr>
+            <p:cNvPr id="166" name="Rectangle à coins arrondis 165"/>
+            <p:cNvSpPr/>
+            <p:nvPr/>
+          </p:nvSpPr>
+          <p:spPr>
+            <a:xfrm>
+              <a:off x="7358050" y="5429264"/>
+              <a:ext cx="1500198" cy="214314"/>
+            </a:xfrm>
+            <a:prstGeom prst="roundRect">
+              <a:avLst/>
+            </a:prstGeom>
+          </p:spPr>
+          <p:style>
+            <a:lnRef idx="1">
+              <a:schemeClr val="accent5"/>
+            </a:lnRef>
+            <a:fillRef idx="2">
+              <a:schemeClr val="accent5"/>
+            </a:fillRef>
+            <a:effectRef idx="1">
+              <a:schemeClr val="accent5"/>
+            </a:effectRef>
+            <a:fontRef idx="minor">
+              <a:schemeClr val="dk1"/>
+            </a:fontRef>
+          </p:style>
+          <p:txBody>
+            <a:bodyPr rtlCol="0" anchor="ctr"/>
+            <a:lstStyle/>
+            <a:p>
+              <a:pPr algn="ctr"/>
+              <a:r>
+                <a:rPr lang="fr-FR" sz="1200" dirty="0" smtClean="0"/>
+                <a:t>Service </a:t>
+              </a:r>
+              <a:r>
+                <a:rPr lang="fr-FR" sz="1200" dirty="0" err="1" smtClean="0"/>
+                <a:t>constraints</a:t>
+              </a:r>
+              <a:endParaRPr lang="fr-FR" sz="1200" dirty="0"/>
+            </a:p>
+          </p:txBody>
+        </p:sp>
+        <p:sp>
+          <p:nvSpPr>
+            <p:cNvPr id="167" name="Rectangle à coins arrondis 166"/>
+            <p:cNvSpPr/>
+            <p:nvPr/>
+          </p:nvSpPr>
+          <p:spPr>
+            <a:xfrm>
+              <a:off x="7358050" y="5786454"/>
+              <a:ext cx="1500198" cy="214314"/>
+            </a:xfrm>
+            <a:prstGeom prst="roundRect">
+              <a:avLst/>
+            </a:prstGeom>
+          </p:spPr>
+          <p:style>
+            <a:lnRef idx="1">
+              <a:schemeClr val="accent4"/>
+            </a:lnRef>
+            <a:fillRef idx="2">
+              <a:schemeClr val="accent4"/>
+            </a:fillRef>
+            <a:effectRef idx="1">
+              <a:schemeClr val="accent4"/>
+            </a:effectRef>
+            <a:fontRef idx="minor">
+              <a:schemeClr val="dk1"/>
+            </a:fontRef>
+          </p:style>
+          <p:txBody>
+            <a:bodyPr rtlCol="0" anchor="ctr"/>
+            <a:lstStyle/>
+            <a:p>
+              <a:pPr algn="ctr"/>
+              <a:r>
+                <a:rPr lang="fr-FR" sz="1200" dirty="0" smtClean="0"/>
+                <a:t>Station </a:t>
+              </a:r>
+              <a:r>
+                <a:rPr lang="fr-FR" sz="1200" dirty="0" err="1" smtClean="0"/>
+                <a:t>constraints</a:t>
+              </a:r>
+              <a:endParaRPr lang="fr-FR" sz="1200" dirty="0"/>
+            </a:p>
+          </p:txBody>
+        </p:sp>
+        <p:sp>
+          <p:nvSpPr>
+            <p:cNvPr id="168" name="Rectangle à coins arrondis 167"/>
+            <p:cNvSpPr/>
+            <p:nvPr/>
+          </p:nvSpPr>
+          <p:spPr>
+            <a:xfrm>
+              <a:off x="7358050" y="6143644"/>
+              <a:ext cx="1500198" cy="214314"/>
+            </a:xfrm>
+            <a:prstGeom prst="roundRect">
+              <a:avLst/>
+            </a:prstGeom>
+          </p:spPr>
+          <p:style>
+            <a:lnRef idx="1">
+              <a:schemeClr val="dk1"/>
+            </a:lnRef>
+            <a:fillRef idx="2">
+              <a:schemeClr val="dk1"/>
+            </a:fillRef>
+            <a:effectRef idx="1">
+              <a:schemeClr val="dk1"/>
+            </a:effectRef>
+            <a:fontRef idx="minor">
+              <a:schemeClr val="dk1"/>
+            </a:fontRef>
+          </p:style>
+          <p:txBody>
+            <a:bodyPr rtlCol="0" anchor="ctr"/>
+            <a:lstStyle/>
+            <a:p>
+              <a:pPr algn="ctr"/>
+              <a:r>
+                <a:rPr lang="fr-FR" sz="1200" dirty="0" err="1" smtClean="0"/>
+                <a:t>Method</a:t>
+              </a:r>
+              <a:endParaRPr lang="fr-FR" sz="1200" dirty="0"/>
+            </a:p>
+          </p:txBody>
+        </p:sp>
+      </p:grpSp>
+      <p:cxnSp>
+        <p:nvCxnSpPr>
+          <p:cNvPr id="176" name="Connecteur en angle 175"/>
+          <p:cNvCxnSpPr>
+            <a:stCxn id="4" idx="2"/>
+          </p:cNvCxnSpPr>
+          <p:nvPr/>
+        </p:nvCxnSpPr>
+        <p:spPr>
+          <a:xfrm rot="5400000">
+            <a:off x="3000225" y="-357074"/>
+            <a:ext cx="71438" cy="3357307"/>
+          </a:xfrm>
+          <a:prstGeom prst="bentConnector2">
+            <a:avLst/>
+          </a:prstGeom>
+          <a:ln>
+            <a:tailEnd type="arrow"/>
+          </a:ln>
+        </p:spPr>
+        <p:style>
+          <a:lnRef idx="2">
+            <a:schemeClr val="accent2"/>
+          </a:lnRef>
+          <a:fillRef idx="0">
+            <a:schemeClr val="accent2"/>
+          </a:fillRef>
+          <a:effectRef idx="1">
+            <a:schemeClr val="accent2"/>
+          </a:effectRef>
+          <a:fontRef idx="minor">
+            <a:schemeClr val="tx1"/>
+          </a:fontRef>
+        </p:style>
+      </p:cxnSp>
+      <p:cxnSp>
+        <p:nvCxnSpPr>
+          <p:cNvPr id="182" name="Connecteur en angle 181"/>
+          <p:cNvCxnSpPr>
+            <a:stCxn id="5" idx="2"/>
+          </p:cNvCxnSpPr>
+          <p:nvPr/>
+        </p:nvCxnSpPr>
+        <p:spPr>
+          <a:xfrm rot="5400000">
+            <a:off x="3000364" y="357166"/>
+            <a:ext cx="71438" cy="3357586"/>
+          </a:xfrm>
+          <a:prstGeom prst="bentConnector2">
+            <a:avLst/>
+          </a:prstGeom>
+          <a:ln>
+            <a:tailEnd type="arrow"/>
+          </a:ln>
+        </p:spPr>
+        <p:style>
+          <a:lnRef idx="2">
+            <a:schemeClr val="accent2"/>
+          </a:lnRef>
+          <a:fillRef idx="0">
+            <a:schemeClr val="accent2"/>
+          </a:fillRef>
+          <a:effectRef idx="1">
+            <a:schemeClr val="accent2"/>
+          </a:effectRef>
+          <a:fontRef idx="minor">
+            <a:schemeClr val="tx1"/>
+          </a:fontRef>
+        </p:style>
+      </p:cxnSp>
+      <p:cxnSp>
+        <p:nvCxnSpPr>
+          <p:cNvPr id="185" name="Connecteur en angle 184"/>
+          <p:cNvCxnSpPr>
+            <a:stCxn id="7" idx="2"/>
+          </p:cNvCxnSpPr>
+          <p:nvPr/>
+        </p:nvCxnSpPr>
+        <p:spPr>
+          <a:xfrm rot="5400000">
+            <a:off x="1910934" y="2589605"/>
+            <a:ext cx="71440" cy="1178727"/>
+          </a:xfrm>
+          <a:prstGeom prst="bentConnector2">
+            <a:avLst/>
+          </a:prstGeom>
+          <a:ln>
+            <a:tailEnd type="arrow"/>
+          </a:ln>
+        </p:spPr>
+        <p:style>
+          <a:lnRef idx="2">
+            <a:schemeClr val="accent2"/>
+          </a:lnRef>
+          <a:fillRef idx="0">
+            <a:schemeClr val="accent2"/>
+          </a:fillRef>
+          <a:effectRef idx="1">
+            <a:schemeClr val="accent2"/>
+          </a:effectRef>
+          <a:fontRef idx="minor">
+            <a:schemeClr val="tx1"/>
+          </a:fontRef>
+        </p:style>
+      </p:cxnSp>
+      <p:cxnSp>
+        <p:nvCxnSpPr>
+          <p:cNvPr id="193" name="Connecteur en angle 136"/>
+          <p:cNvCxnSpPr>
+            <a:stCxn id="115" idx="2"/>
+            <a:endCxn id="76" idx="0"/>
+          </p:cNvCxnSpPr>
+          <p:nvPr/>
+        </p:nvCxnSpPr>
+        <p:spPr>
+          <a:xfrm rot="5400000">
+            <a:off x="5143504" y="4071942"/>
+            <a:ext cx="285752" cy="1588"/>
+          </a:xfrm>
+          <a:prstGeom prst="bentConnector3">
+            <a:avLst>
+              <a:gd name="adj1" fmla="val 50000"/>
+            </a:avLst>
+          </a:prstGeom>
+          <a:ln>
+            <a:tailEnd type="arrow"/>
+          </a:ln>
+        </p:spPr>
+        <p:style>
+          <a:lnRef idx="1">
+            <a:schemeClr val="dk1"/>
+          </a:lnRef>
+          <a:fillRef idx="0">
+            <a:schemeClr val="dk1"/>
+          </a:fillRef>
+          <a:effectRef idx="0">
+            <a:schemeClr val="dk1"/>
+          </a:effectRef>
+          <a:fontRef idx="minor">
+            <a:schemeClr val="tx1"/>
+          </a:fontRef>
+        </p:style>
+      </p:cxnSp>
+      <p:cxnSp>
+        <p:nvCxnSpPr>
+          <p:cNvPr id="203" name="Connecteur en angle 184"/>
+          <p:cNvCxnSpPr>
+            <a:stCxn id="161" idx="2"/>
+          </p:cNvCxnSpPr>
+          <p:nvPr/>
+        </p:nvCxnSpPr>
+        <p:spPr>
+          <a:xfrm rot="5400000">
+            <a:off x="3286116" y="3643314"/>
+            <a:ext cx="71438" cy="3929090"/>
+          </a:xfrm>
+          <a:prstGeom prst="bentConnector2">
+            <a:avLst/>
+          </a:prstGeom>
+          <a:ln>
+            <a:tailEnd type="arrow"/>
+          </a:ln>
+        </p:spPr>
+        <p:style>
+          <a:lnRef idx="2">
+            <a:schemeClr val="accent2"/>
+          </a:lnRef>
+          <a:fillRef idx="0">
+            <a:schemeClr val="accent2"/>
+          </a:fillRef>
+          <a:effectRef idx="1">
+            <a:schemeClr val="accent2"/>
+          </a:effectRef>
+          <a:fontRef idx="minor">
+            <a:schemeClr val="tx1"/>
+          </a:fontRef>
+        </p:style>
+      </p:cxnSp>
+      <p:cxnSp>
+        <p:nvCxnSpPr>
+          <p:cNvPr id="224" name="Connecteur en angle 136"/>
+          <p:cNvCxnSpPr>
+            <a:stCxn id="161" idx="2"/>
+            <a:endCxn id="235" idx="0"/>
+          </p:cNvCxnSpPr>
+          <p:nvPr/>
+        </p:nvCxnSpPr>
+        <p:spPr>
+          <a:xfrm rot="16200000" flipH="1">
+            <a:off x="4823122" y="6035397"/>
+            <a:ext cx="928694" cy="2179"/>
+          </a:xfrm>
+          <a:prstGeom prst="bentConnector3">
+            <a:avLst>
+              <a:gd name="adj1" fmla="val 50000"/>
+            </a:avLst>
+          </a:prstGeom>
+          <a:ln>
+            <a:tailEnd type="arrow"/>
+          </a:ln>
+        </p:spPr>
+        <p:style>
+          <a:lnRef idx="2">
+            <a:schemeClr val="accent3"/>
+          </a:lnRef>
+          <a:fillRef idx="0">
+            <a:schemeClr val="accent3"/>
+          </a:fillRef>
+          <a:effectRef idx="1">
+            <a:schemeClr val="accent3"/>
+          </a:effectRef>
+          <a:fontRef idx="minor">
+            <a:schemeClr val="tx1"/>
+          </a:fontRef>
+        </p:style>
+      </p:cxnSp>
+      <p:sp>
+        <p:nvSpPr>
+          <p:cNvPr id="233" name="Rectangle 232"/>
+          <p:cNvSpPr/>
+          <p:nvPr/>
+        </p:nvSpPr>
+        <p:spPr>
+          <a:xfrm>
+            <a:off x="0" y="0"/>
+            <a:ext cx="1357290" cy="6858000"/>
+          </a:xfrm>
+          <a:prstGeom prst="rect">
+            <a:avLst/>
+          </a:prstGeom>
+          <a:solidFill>
+            <a:schemeClr val="accent2">
+              <a:lumMod val="20000"/>
+              <a:lumOff val="80000"/>
+            </a:schemeClr>
+          </a:solidFill>
+        </p:spPr>
+        <p:style>
+          <a:lnRef idx="1">
+            <a:schemeClr val="accent2"/>
+          </a:lnRef>
+          <a:fillRef idx="2">
+            <a:schemeClr val="accent2"/>
+          </a:fillRef>
+          <a:effectRef idx="1">
+            <a:schemeClr val="accent2"/>
+          </a:effectRef>
+          <a:fontRef idx="minor">
+            <a:schemeClr val="dk1"/>
+          </a:fontRef>
+        </p:style>
+        <p:txBody>
+          <a:bodyPr rtlCol="0" anchor="ctr"/>
+          <a:lstStyle/>
+          <a:p>
+            <a:pPr algn="ctr"/>
+            <a:endParaRPr lang="fr-FR"/>
+          </a:p>
+        </p:txBody>
+      </p:sp>
+      <p:sp>
+        <p:nvSpPr>
+          <p:cNvPr id="235" name="Rectangle 234"/>
+          <p:cNvSpPr/>
+          <p:nvPr/>
+        </p:nvSpPr>
+        <p:spPr>
+          <a:xfrm>
+            <a:off x="4752790" y="6500834"/>
+            <a:ext cx="1071538" cy="357166"/>
+          </a:xfrm>
+          <a:prstGeom prst="rect">
+            <a:avLst/>
+          </a:prstGeom>
+          <a:ln/>
+        </p:spPr>
+        <p:style>
+          <a:lnRef idx="1">
+            <a:schemeClr val="accent1"/>
+          </a:lnRef>
+          <a:fillRef idx="3">
+            <a:schemeClr val="accent1"/>
+          </a:fillRef>
+          <a:effectRef idx="2">
+            <a:schemeClr val="accent1"/>
+          </a:effectRef>
+          <a:fontRef idx="minor">
+            <a:schemeClr val="lt1"/>
+          </a:fontRef>
+        </p:style>
+        <p:txBody>
+          <a:bodyPr rtlCol="0" anchor="ctr"/>
+          <a:lstStyle/>
+          <a:p>
+            <a:pPr algn="ctr"/>
+            <a:r>
+              <a:rPr lang="fr-FR" dirty="0" smtClean="0"/>
+              <a:t>Master</a:t>
+            </a:r>
+            <a:endParaRPr lang="fr-FR" dirty="0"/>
+          </a:p>
+        </p:txBody>
+      </p:sp>
+      <p:sp>
+        <p:nvSpPr>
+          <p:cNvPr id="237" name="Rectangle 236"/>
+          <p:cNvSpPr/>
+          <p:nvPr/>
+        </p:nvSpPr>
+        <p:spPr>
+          <a:xfrm>
+            <a:off x="4168539" y="214314"/>
+            <a:ext cx="1071538" cy="357166"/>
+          </a:xfrm>
+          <a:prstGeom prst="rect">
+            <a:avLst/>
+          </a:prstGeom>
+          <a:ln/>
+        </p:spPr>
+        <p:style>
+          <a:lnRef idx="1">
+            <a:schemeClr val="accent1"/>
+          </a:lnRef>
+          <a:fillRef idx="3">
+            <a:schemeClr val="accent1"/>
+          </a:fillRef>
+          <a:effectRef idx="2">
+            <a:schemeClr val="accent1"/>
+          </a:effectRef>
+          <a:fontRef idx="minor">
+            <a:schemeClr val="lt1"/>
+          </a:fontRef>
+        </p:style>
+        <p:txBody>
+          <a:bodyPr rtlCol="0" anchor="ctr"/>
+          <a:lstStyle/>
+          <a:p>
+            <a:pPr algn="ctr"/>
+            <a:r>
+              <a:rPr lang="fr-FR" dirty="0" smtClean="0"/>
+              <a:t>Master</a:t>
+            </a:r>
+            <a:endParaRPr lang="fr-FR" dirty="0"/>
+          </a:p>
+        </p:txBody>
+      </p:sp>
+      <p:cxnSp>
+        <p:nvCxnSpPr>
+          <p:cNvPr id="238" name="Connecteur en angle 237"/>
+          <p:cNvCxnSpPr>
+            <a:stCxn id="237" idx="2"/>
+            <a:endCxn id="4" idx="0"/>
+          </p:cNvCxnSpPr>
+          <p:nvPr/>
+        </p:nvCxnSpPr>
+        <p:spPr>
+          <a:xfrm rot="16200000" flipH="1">
+            <a:off x="4566576" y="709211"/>
+            <a:ext cx="285752" cy="10289"/>
+          </a:xfrm>
+          <a:prstGeom prst="bentConnector3">
+            <a:avLst>
+              <a:gd name="adj1" fmla="val 50000"/>
+            </a:avLst>
+          </a:prstGeom>
+          <a:ln>
+            <a:tailEnd type="arrow"/>
+          </a:ln>
+        </p:spPr>
+        <p:style>
+          <a:lnRef idx="2">
+            <a:schemeClr val="accent3"/>
+          </a:lnRef>
+          <a:fillRef idx="0">
+            <a:schemeClr val="accent3"/>
+          </a:fillRef>
+          <a:effectRef idx="1">
+            <a:schemeClr val="accent3"/>
+          </a:effectRef>
+          <a:fontRef idx="minor">
+            <a:schemeClr val="tx1"/>
+          </a:fontRef>
+        </p:style>
+      </p:cxnSp>
+      <p:sp>
+        <p:nvSpPr>
+          <p:cNvPr id="241" name="ZoneTexte 240"/>
+          <p:cNvSpPr txBox="1"/>
+          <p:nvPr/>
+        </p:nvSpPr>
+        <p:spPr>
+          <a:xfrm>
+            <a:off x="0" y="0"/>
+            <a:ext cx="1357290" cy="369332"/>
+          </a:xfrm>
+          <a:prstGeom prst="rect">
+            <a:avLst/>
+          </a:prstGeom>
+          <a:noFill/>
+        </p:spPr>
+        <p:txBody>
+          <a:bodyPr wrap="square" rtlCol="0">
+            <a:spAutoFit/>
+          </a:bodyPr>
+          <a:lstStyle/>
+          <a:p>
+            <a:pPr algn="ctr"/>
+            <a:r>
+              <a:rPr lang="fr-FR" dirty="0" smtClean="0"/>
+              <a:t>Exceptions</a:t>
+            </a:r>
+            <a:endParaRPr lang="fr-FR" dirty="0"/>
+          </a:p>
+        </p:txBody>
+      </p:sp>
+      <p:cxnSp>
+        <p:nvCxnSpPr>
+          <p:cNvPr id="243" name="Connecteur droit 242"/>
+          <p:cNvCxnSpPr/>
+          <p:nvPr/>
+        </p:nvCxnSpPr>
+        <p:spPr>
+          <a:xfrm>
+            <a:off x="0" y="357166"/>
+            <a:ext cx="1357290" cy="1588"/>
+          </a:xfrm>
+          <a:prstGeom prst="line">
+            <a:avLst/>
+          </a:prstGeom>
+        </p:spPr>
+        <p:style>
+          <a:lnRef idx="3">
+            <a:schemeClr val="accent1"/>
+          </a:lnRef>
+          <a:fillRef idx="0">
+            <a:schemeClr val="accent1"/>
+          </a:fillRef>
+          <a:effectRef idx="2">
+            <a:schemeClr val="accent1"/>
+          </a:effectRef>
+          <a:fontRef idx="minor">
+            <a:schemeClr val="tx1"/>
+          </a:fontRef>
+        </p:style>
+      </p:cxnSp>
+      <p:sp>
+        <p:nvSpPr>
+          <p:cNvPr id="247" name="Rectangle 246"/>
+          <p:cNvSpPr/>
+          <p:nvPr/>
+        </p:nvSpPr>
+        <p:spPr>
+          <a:xfrm>
+            <a:off x="0" y="857232"/>
+            <a:ext cx="1357290" cy="714380"/>
+          </a:xfrm>
+          <a:prstGeom prst="rect">
+            <a:avLst/>
+          </a:prstGeom>
+        </p:spPr>
+        <p:style>
+          <a:lnRef idx="2">
+            <a:schemeClr val="accent4"/>
+          </a:lnRef>
+          <a:fillRef idx="1">
+            <a:schemeClr val="lt1"/>
+          </a:fillRef>
+          <a:effectRef idx="0">
+            <a:schemeClr val="accent4"/>
+          </a:effectRef>
+          <a:fontRef idx="minor">
+            <a:schemeClr val="dk1"/>
+          </a:fontRef>
+        </p:style>
+        <p:txBody>
+          <a:bodyPr rtlCol="0" anchor="ctr"/>
+          <a:lstStyle/>
+          <a:p>
+            <a:pPr algn="ctr"/>
+            <a:r>
+              <a:rPr lang="fr-FR" sz="1200" dirty="0" smtClean="0"/>
+              <a:t>If no information </a:t>
+            </a:r>
+            <a:r>
+              <a:rPr lang="fr-FR" sz="1200" dirty="0" err="1" smtClean="0"/>
+              <a:t>submitted</a:t>
+            </a:r>
+            <a:endParaRPr lang="fr-FR" sz="1200" dirty="0"/>
+          </a:p>
+        </p:txBody>
+      </p:sp>
+      <p:sp>
+        <p:nvSpPr>
+          <p:cNvPr id="248" name="Rectangle 247"/>
+          <p:cNvSpPr/>
+          <p:nvPr/>
+        </p:nvSpPr>
+        <p:spPr>
+          <a:xfrm>
+            <a:off x="0" y="1785926"/>
+            <a:ext cx="1357290" cy="714380"/>
+          </a:xfrm>
+          <a:prstGeom prst="rect">
+            <a:avLst/>
+          </a:prstGeom>
+        </p:spPr>
+        <p:style>
+          <a:lnRef idx="2">
+            <a:schemeClr val="accent4"/>
+          </a:lnRef>
+          <a:fillRef idx="1">
+            <a:schemeClr val="lt1"/>
+          </a:fillRef>
+          <a:effectRef idx="0">
+            <a:schemeClr val="accent4"/>
+          </a:effectRef>
+          <a:fontRef idx="minor">
+            <a:schemeClr val="dk1"/>
+          </a:fontRef>
+        </p:style>
+        <p:txBody>
+          <a:bodyPr rtlCol="0" anchor="ctr"/>
+          <a:lstStyle/>
+          <a:p>
+            <a:pPr algn="ctr"/>
+            <a:r>
+              <a:rPr lang="fr-FR" sz="1200" dirty="0" smtClean="0"/>
+              <a:t>If one or </a:t>
+            </a:r>
+            <a:r>
+              <a:rPr lang="fr-FR" sz="1200" dirty="0" err="1" smtClean="0"/>
+              <a:t>many</a:t>
+            </a:r>
+            <a:r>
+              <a:rPr lang="fr-FR" sz="1200" dirty="0" smtClean="0"/>
+              <a:t> informations are incorrect</a:t>
+            </a:r>
+            <a:endParaRPr lang="fr-FR" sz="1200" dirty="0"/>
+          </a:p>
+        </p:txBody>
+      </p:sp>
+      <p:sp>
+        <p:nvSpPr>
+          <p:cNvPr id="249" name="Rectangle 248"/>
+          <p:cNvSpPr/>
+          <p:nvPr/>
+        </p:nvSpPr>
+        <p:spPr>
+          <a:xfrm>
+            <a:off x="0" y="2928934"/>
+            <a:ext cx="1357290" cy="714380"/>
+          </a:xfrm>
+          <a:prstGeom prst="rect">
+            <a:avLst/>
+          </a:prstGeom>
+        </p:spPr>
+        <p:style>
+          <a:lnRef idx="2">
+            <a:schemeClr val="accent4"/>
+          </a:lnRef>
+          <a:fillRef idx="1">
+            <a:schemeClr val="lt1"/>
+          </a:fillRef>
+          <a:effectRef idx="0">
+            <a:schemeClr val="accent4"/>
+          </a:effectRef>
+          <a:fontRef idx="minor">
+            <a:schemeClr val="dk1"/>
+          </a:fontRef>
+        </p:style>
+        <p:txBody>
+          <a:bodyPr rtlCol="0" anchor="ctr"/>
+          <a:lstStyle/>
+          <a:p>
+            <a:pPr algn="ctr"/>
+            <a:r>
+              <a:rPr lang="fr-FR" sz="1200" dirty="0" smtClean="0"/>
+              <a:t>If Destination</a:t>
+            </a:r>
+            <a:br>
+              <a:rPr lang="fr-FR" sz="1200" dirty="0" smtClean="0"/>
+            </a:br>
+            <a:r>
+              <a:rPr lang="fr-FR" sz="1200" dirty="0" err="1" smtClean="0"/>
+              <a:t>can’t</a:t>
+            </a:r>
+            <a:r>
+              <a:rPr lang="fr-FR" sz="1200" dirty="0" smtClean="0"/>
+              <a:t> </a:t>
+            </a:r>
+            <a:r>
+              <a:rPr lang="fr-FR" sz="1200" dirty="0" err="1" smtClean="0"/>
+              <a:t>be</a:t>
+            </a:r>
+            <a:r>
+              <a:rPr lang="fr-FR" sz="1200" dirty="0" smtClean="0"/>
+              <a:t> </a:t>
+            </a:r>
+            <a:r>
+              <a:rPr lang="fr-FR" sz="1200" dirty="0" err="1" smtClean="0"/>
+              <a:t>reached</a:t>
+            </a:r>
+            <a:endParaRPr lang="fr-FR" sz="1200" dirty="0"/>
+          </a:p>
+        </p:txBody>
+      </p:sp>
+      <p:sp>
+        <p:nvSpPr>
+          <p:cNvPr id="250" name="Rectangle 249"/>
+          <p:cNvSpPr/>
+          <p:nvPr/>
+        </p:nvSpPr>
+        <p:spPr>
+          <a:xfrm>
+            <a:off x="0" y="5357826"/>
+            <a:ext cx="1357290" cy="714380"/>
+          </a:xfrm>
+          <a:prstGeom prst="rect">
+            <a:avLst/>
+          </a:prstGeom>
+        </p:spPr>
+        <p:style>
+          <a:lnRef idx="2">
+            <a:schemeClr val="accent4"/>
+          </a:lnRef>
+          <a:fillRef idx="1">
+            <a:schemeClr val="lt1"/>
+          </a:fillRef>
+          <a:effectRef idx="0">
+            <a:schemeClr val="accent4"/>
+          </a:effectRef>
+          <a:fontRef idx="minor">
+            <a:schemeClr val="dk1"/>
+          </a:fontRef>
+        </p:style>
+        <p:txBody>
+          <a:bodyPr rtlCol="0" anchor="ctr"/>
+          <a:lstStyle/>
+          <a:p>
+            <a:pPr algn="ctr"/>
+            <a:r>
+              <a:rPr lang="fr-FR" sz="1200" dirty="0" smtClean="0"/>
+              <a:t>If a </a:t>
+            </a:r>
+            <a:r>
+              <a:rPr lang="fr-FR" sz="1200" dirty="0" err="1" smtClean="0"/>
+              <a:t>problem</a:t>
+            </a:r>
+            <a:r>
+              <a:rPr lang="fr-FR" sz="1200" dirty="0" smtClean="0"/>
+              <a:t> </a:t>
+            </a:r>
+            <a:r>
+              <a:rPr lang="fr-FR" sz="1200" dirty="0" err="1" smtClean="0"/>
+              <a:t>occured</a:t>
+            </a:r>
+            <a:r>
+              <a:rPr lang="fr-FR" sz="1200" dirty="0" smtClean="0"/>
+              <a:t> </a:t>
+            </a:r>
+            <a:r>
+              <a:rPr lang="fr-FR" sz="1200" dirty="0" err="1" smtClean="0"/>
+              <a:t>during</a:t>
+            </a:r>
+            <a:r>
+              <a:rPr lang="fr-FR" sz="1200" dirty="0" smtClean="0"/>
+              <a:t> </a:t>
+            </a:r>
+            <a:r>
+              <a:rPr lang="fr-FR" sz="1200" dirty="0" err="1" smtClean="0"/>
+              <a:t>algorithm</a:t>
+            </a:r>
+            <a:endParaRPr lang="fr-FR" sz="1200" dirty="0"/>
+          </a:p>
+        </p:txBody>
+      </p:sp>
+      <p:sp>
+        <p:nvSpPr>
+          <p:cNvPr id="251" name="ZoneTexte 250"/>
+          <p:cNvSpPr txBox="1"/>
+          <p:nvPr/>
+        </p:nvSpPr>
+        <p:spPr>
+          <a:xfrm>
+            <a:off x="6858016" y="3935560"/>
+            <a:ext cx="1000132" cy="707886"/>
+          </a:xfrm>
+          <a:prstGeom prst="rect">
+            <a:avLst/>
+          </a:prstGeom>
+          <a:noFill/>
+        </p:spPr>
+        <p:txBody>
+          <a:bodyPr wrap="square" rtlCol="0">
+            <a:spAutoFit/>
+          </a:bodyPr>
+          <a:lstStyle/>
+          <a:p>
+            <a:pPr algn="ctr"/>
+            <a:r>
+              <a:rPr lang="fr-FR" sz="1000" dirty="0" err="1" smtClean="0"/>
+              <a:t>While</a:t>
+            </a:r>
+            <a:r>
+              <a:rPr lang="fr-FR" sz="1000" dirty="0" smtClean="0"/>
+              <a:t> </a:t>
+            </a:r>
+            <a:br>
+              <a:rPr lang="fr-FR" sz="1000" dirty="0" smtClean="0"/>
+            </a:br>
+            <a:r>
+              <a:rPr lang="fr-FR" sz="1000" dirty="0" smtClean="0"/>
+              <a:t>an </a:t>
+            </a:r>
+            <a:r>
+              <a:rPr lang="fr-FR" sz="1000" dirty="0" err="1" smtClean="0"/>
+              <a:t>other</a:t>
+            </a:r>
+            <a:r>
+              <a:rPr lang="fr-FR" sz="1000" dirty="0" smtClean="0"/>
+              <a:t/>
+            </a:r>
+            <a:br>
+              <a:rPr lang="fr-FR" sz="1000" dirty="0" smtClean="0"/>
+            </a:br>
+            <a:r>
+              <a:rPr lang="fr-FR" sz="1000" dirty="0" smtClean="0"/>
+              <a:t>permutation</a:t>
+            </a:r>
+            <a:br>
+              <a:rPr lang="fr-FR" sz="1000" dirty="0" smtClean="0"/>
+            </a:br>
+            <a:r>
+              <a:rPr lang="fr-FR" sz="1000" dirty="0" err="1" smtClean="0"/>
+              <a:t>exists</a:t>
+            </a:r>
+            <a:endParaRPr lang="fr-FR" sz="1000" dirty="0"/>
+          </a:p>
+        </p:txBody>
+      </p:sp>
+      <p:cxnSp>
+        <p:nvCxnSpPr>
+          <p:cNvPr id="253" name="Connecteur en angle 110"/>
+          <p:cNvCxnSpPr>
+            <a:stCxn id="161" idx="3"/>
+            <a:endCxn id="68" idx="3"/>
+          </p:cNvCxnSpPr>
+          <p:nvPr/>
+        </p:nvCxnSpPr>
+        <p:spPr>
+          <a:xfrm flipV="1">
+            <a:off x="6715140" y="3321843"/>
+            <a:ext cx="1588" cy="2071702"/>
+          </a:xfrm>
+          <a:prstGeom prst="bentConnector3">
+            <a:avLst>
+              <a:gd name="adj1" fmla="val 100288444"/>
+            </a:avLst>
+          </a:prstGeom>
+          <a:ln>
+            <a:tailEnd type="arrow"/>
+          </a:ln>
+        </p:spPr>
+        <p:style>
+          <a:lnRef idx="2">
+            <a:schemeClr val="accent6"/>
+          </a:lnRef>
+          <a:fillRef idx="0">
+            <a:schemeClr val="accent6"/>
+          </a:fillRef>
+          <a:effectRef idx="1">
+            <a:schemeClr val="accent6"/>
+          </a:effectRef>
+          <a:fontRef idx="minor">
+            <a:schemeClr val="tx1"/>
+          </a:fontRef>
+        </p:style>
+      </p:cxnSp>
+      <p:sp>
+        <p:nvSpPr>
+          <p:cNvPr id="257" name="ZoneTexte 256"/>
+          <p:cNvSpPr txBox="1"/>
+          <p:nvPr/>
+        </p:nvSpPr>
+        <p:spPr>
+          <a:xfrm>
+            <a:off x="8143868" y="3714752"/>
+            <a:ext cx="1000132" cy="707886"/>
+          </a:xfrm>
+          <a:prstGeom prst="rect">
+            <a:avLst/>
+          </a:prstGeom>
+          <a:noFill/>
+        </p:spPr>
+        <p:txBody>
+          <a:bodyPr wrap="square" rtlCol="0">
+            <a:spAutoFit/>
+          </a:bodyPr>
+          <a:lstStyle/>
+          <a:p>
+            <a:pPr algn="ctr"/>
+            <a:r>
+              <a:rPr lang="fr-FR" sz="1000" dirty="0" smtClean="0"/>
+              <a:t>If </a:t>
+            </a:r>
+            <a:r>
+              <a:rPr lang="fr-FR" sz="1000" dirty="0" err="1" smtClean="0"/>
+              <a:t>there’s</a:t>
+            </a:r>
+            <a:r>
+              <a:rPr lang="fr-FR" sz="1000" dirty="0" smtClean="0"/>
+              <a:t/>
+            </a:r>
+            <a:br>
+              <a:rPr lang="fr-FR" sz="1000" dirty="0" smtClean="0"/>
+            </a:br>
+            <a:r>
+              <a:rPr lang="fr-FR" sz="1000" dirty="0" smtClean="0"/>
+              <a:t>no solution</a:t>
+            </a:r>
+          </a:p>
+          <a:p>
+            <a:pPr algn="ctr"/>
+            <a:r>
+              <a:rPr lang="fr-FR" sz="1000" dirty="0" smtClean="0"/>
+              <a:t>V</a:t>
+            </a:r>
+          </a:p>
+          <a:p>
+            <a:pPr algn="ctr"/>
+            <a:r>
+              <a:rPr lang="fr-FR" sz="1000" dirty="0" smtClean="0"/>
+              <a:t>Relaxation</a:t>
+            </a:r>
+          </a:p>
+        </p:txBody>
+      </p:sp>
+      <p:cxnSp>
+        <p:nvCxnSpPr>
+          <p:cNvPr id="258" name="Connecteur en angle 136"/>
+          <p:cNvCxnSpPr>
+            <a:stCxn id="7" idx="2"/>
+            <a:endCxn id="68" idx="1"/>
+          </p:cNvCxnSpPr>
+          <p:nvPr/>
+        </p:nvCxnSpPr>
+        <p:spPr>
+          <a:xfrm rot="16200000" flipH="1">
+            <a:off x="4107653" y="1571611"/>
+            <a:ext cx="178595" cy="3321867"/>
+          </a:xfrm>
+          <a:prstGeom prst="bentConnector2">
+            <a:avLst/>
+          </a:prstGeom>
+          <a:ln>
+            <a:tailEnd type="arrow"/>
+          </a:ln>
+        </p:spPr>
+        <p:style>
+          <a:lnRef idx="1">
+            <a:schemeClr val="dk1"/>
+          </a:lnRef>
+          <a:fillRef idx="0">
+            <a:schemeClr val="dk1"/>
+          </a:fillRef>
+          <a:effectRef idx="0">
+            <a:schemeClr val="dk1"/>
+          </a:effectRef>
+          <a:fontRef idx="minor">
+            <a:schemeClr val="tx1"/>
+          </a:fontRef>
+        </p:style>
+      </p:cxnSp>
+      <p:cxnSp>
+        <p:nvCxnSpPr>
+          <p:cNvPr id="179" name="Connecteur en angle 178"/>
+          <p:cNvCxnSpPr>
+            <a:stCxn id="7" idx="2"/>
+            <a:endCxn id="76" idx="1"/>
+          </p:cNvCxnSpPr>
+          <p:nvPr/>
+        </p:nvCxnSpPr>
+        <p:spPr>
+          <a:xfrm rot="16200000" flipH="1">
+            <a:off x="2571736" y="3107528"/>
+            <a:ext cx="1250165" cy="1321603"/>
+          </a:xfrm>
+          <a:prstGeom prst="bentConnector2">
+            <a:avLst/>
+          </a:prstGeom>
+          <a:ln>
+            <a:tailEnd type="arrow"/>
+          </a:ln>
+        </p:spPr>
+        <p:style>
+          <a:lnRef idx="2">
+            <a:schemeClr val="accent3"/>
+          </a:lnRef>
+          <a:fillRef idx="0">
+            <a:schemeClr val="accent3"/>
+          </a:fillRef>
+          <a:effectRef idx="1">
+            <a:schemeClr val="accent3"/>
+          </a:effectRef>
+          <a:fontRef idx="minor">
+            <a:schemeClr val="tx1"/>
+          </a:fontRef>
+        </p:style>
+      </p:cxnSp>
+    </p:spTree>
+  </p:cSld>
+  <p:clrMapOvr>
+    <a:masterClrMapping/>
+  </p:clrMapOvr>
+  <p:timing>
+    <p:tnLst>
+      <p:par>
+        <p:cTn id="1" dur="indefinite" restart="never" nodeType="tmRoot"/>
+      </p:par>
+    </p:tnLst>
+  </p:timing>
+</p:sld>
+</file>
+
 <file path=ppt/theme/theme1.xml><?xml version="1.0" encoding="utf-8"?>
 <a:theme xmlns:a="http://schemas.openxmlformats.org/drawingml/2006/main" name="Thème Office">
   <a:themeElements>
-    <a:clrScheme name="Bureau">
+    <a:clrScheme name="Office">
       <a:dk1>
         <a:sysClr val="windowText" lastClr="000000"/>
       </a:dk1>
@@ -3056,7 +5153,7 @@
         <a:srgbClr val="800080"/>
       </a:folHlink>
     </a:clrScheme>
-    <a:fontScheme name="Bureau">
+    <a:fontScheme name="Office">
       <a:majorFont>
         <a:latin typeface="Calibri"/>
         <a:ea typeface=""/>
@@ -3126,7 +5223,7 @@
         <a:font script="Uigh" typeface="Microsoft Uighur"/>
       </a:minorFont>
     </a:fontScheme>
-    <a:fmtScheme name="Bureau">
+    <a:fmtScheme name="Office">
       <a:fillStyleLst>
         <a:solidFill>
           <a:schemeClr val="phClr"/>
